--- a/Lispinterpreter.pptx
+++ b/Lispinterpreter.pptx
@@ -192,7 +192,7 @@
           <a:p>
             <a:fld id="{C6EE7B1F-A2D5-4A42-9986-2D7AA8151C37}" type="datetimeFigureOut">
               <a:rPr lang="en-US" smtClean="0"/>
-              <a:t>8/8/2011</a:t>
+              <a:t>8/9/2011</a:t>
             </a:fld>
             <a:endParaRPr lang="en-US"/>
           </a:p>
@@ -396,13 +396,13 @@
   <p:clrMapOvr>
     <a:masterClrMapping/>
   </p:clrMapOvr>
-  <mc:AlternateContent xmlns:mc="http://schemas.openxmlformats.org/markup-compatibility/2006">
-    <mc:Choice xmlns:p14="http://schemas.microsoft.com/office/powerpoint/2010/main" Requires="p14">
+  <mc:AlternateContent xmlns:mc="http://schemas.openxmlformats.org/markup-compatibility/2006" xmlns:p14="http://schemas.microsoft.com/office/powerpoint/2010/main">
+    <mc:Choice Requires="p14">
       <p:transition spd="slow" p14:dur="3400">
         <p14:reveal/>
       </p:transition>
     </mc:Choice>
-    <mc:Fallback>
+    <mc:Fallback xmlns="">
       <p:transition spd="slow">
         <p:fade/>
       </p:transition>
@@ -520,7 +520,7 @@
           <a:p>
             <a:fld id="{C6EE7B1F-A2D5-4A42-9986-2D7AA8151C37}" type="datetimeFigureOut">
               <a:rPr lang="en-US" smtClean="0"/>
-              <a:t>8/8/2011</a:t>
+              <a:t>8/9/2011</a:t>
             </a:fld>
             <a:endParaRPr lang="en-US"/>
           </a:p>
@@ -573,13 +573,13 @@
   <p:clrMapOvr>
     <a:masterClrMapping/>
   </p:clrMapOvr>
-  <mc:AlternateContent xmlns:mc="http://schemas.openxmlformats.org/markup-compatibility/2006">
-    <mc:Choice xmlns:p14="http://schemas.microsoft.com/office/powerpoint/2010/main" Requires="p14">
+  <mc:AlternateContent xmlns:mc="http://schemas.openxmlformats.org/markup-compatibility/2006" xmlns:p14="http://schemas.microsoft.com/office/powerpoint/2010/main">
+    <mc:Choice Requires="p14">
       <p:transition spd="slow" p14:dur="3400">
         <p14:reveal/>
       </p:transition>
     </mc:Choice>
-    <mc:Fallback>
+    <mc:Fallback xmlns="">
       <p:transition spd="slow">
         <p:fade/>
       </p:transition>
@@ -707,7 +707,7 @@
           <a:p>
             <a:fld id="{C6EE7B1F-A2D5-4A42-9986-2D7AA8151C37}" type="datetimeFigureOut">
               <a:rPr lang="en-US" smtClean="0"/>
-              <a:t>8/8/2011</a:t>
+              <a:t>8/9/2011</a:t>
             </a:fld>
             <a:endParaRPr lang="en-US"/>
           </a:p>
@@ -760,13 +760,13 @@
   <p:clrMapOvr>
     <a:masterClrMapping/>
   </p:clrMapOvr>
-  <mc:AlternateContent xmlns:mc="http://schemas.openxmlformats.org/markup-compatibility/2006">
-    <mc:Choice xmlns:p14="http://schemas.microsoft.com/office/powerpoint/2010/main" Requires="p14">
+  <mc:AlternateContent xmlns:mc="http://schemas.openxmlformats.org/markup-compatibility/2006" xmlns:p14="http://schemas.microsoft.com/office/powerpoint/2010/main">
+    <mc:Choice Requires="p14">
       <p:transition spd="slow" p14:dur="3400">
         <p14:reveal/>
       </p:transition>
     </mc:Choice>
-    <mc:Fallback>
+    <mc:Fallback xmlns="">
       <p:transition spd="slow">
         <p:fade/>
       </p:transition>
@@ -837,7 +837,7 @@
           <a:p>
             <a:fld id="{C6EE7B1F-A2D5-4A42-9986-2D7AA8151C37}" type="datetimeFigureOut">
               <a:rPr lang="en-US" smtClean="0"/>
-              <a:t>8/8/2011</a:t>
+              <a:t>8/9/2011</a:t>
             </a:fld>
             <a:endParaRPr lang="en-US"/>
           </a:p>
@@ -947,13 +947,13 @@
   <p:clrMapOvr>
     <a:masterClrMapping/>
   </p:clrMapOvr>
-  <mc:AlternateContent xmlns:mc="http://schemas.openxmlformats.org/markup-compatibility/2006">
-    <mc:Choice xmlns:p14="http://schemas.microsoft.com/office/powerpoint/2010/main" Requires="p14">
+  <mc:AlternateContent xmlns:mc="http://schemas.openxmlformats.org/markup-compatibility/2006" xmlns:p14="http://schemas.microsoft.com/office/powerpoint/2010/main">
+    <mc:Choice Requires="p14">
       <p:transition spd="slow" p14:dur="3400">
         <p14:reveal/>
       </p:transition>
     </mc:Choice>
-    <mc:Fallback>
+    <mc:Fallback xmlns="">
       <p:transition spd="slow">
         <p:fade/>
       </p:transition>
@@ -1147,7 +1147,7 @@
           <a:p>
             <a:fld id="{C6EE7B1F-A2D5-4A42-9986-2D7AA8151C37}" type="datetimeFigureOut">
               <a:rPr lang="en-US" smtClean="0"/>
-              <a:t>8/8/2011</a:t>
+              <a:t>8/9/2011</a:t>
             </a:fld>
             <a:endParaRPr lang="en-US"/>
           </a:p>
@@ -1200,13 +1200,13 @@
   <p:clrMapOvr>
     <a:masterClrMapping/>
   </p:clrMapOvr>
-  <mc:AlternateContent xmlns:mc="http://schemas.openxmlformats.org/markup-compatibility/2006">
-    <mc:Choice xmlns:p14="http://schemas.microsoft.com/office/powerpoint/2010/main" Requires="p14">
+  <mc:AlternateContent xmlns:mc="http://schemas.openxmlformats.org/markup-compatibility/2006" xmlns:p14="http://schemas.microsoft.com/office/powerpoint/2010/main">
+    <mc:Choice Requires="p14">
       <p:transition spd="slow" p14:dur="3400">
         <p14:reveal/>
       </p:transition>
     </mc:Choice>
-    <mc:Fallback>
+    <mc:Fallback xmlns="">
       <p:transition spd="slow">
         <p:fade/>
       </p:transition>
@@ -1452,7 +1452,7 @@
           <a:p>
             <a:fld id="{C6EE7B1F-A2D5-4A42-9986-2D7AA8151C37}" type="datetimeFigureOut">
               <a:rPr lang="en-US" smtClean="0"/>
-              <a:t>8/8/2011</a:t>
+              <a:t>8/9/2011</a:t>
             </a:fld>
             <a:endParaRPr lang="en-US"/>
           </a:p>
@@ -1505,13 +1505,13 @@
   <p:clrMapOvr>
     <a:masterClrMapping/>
   </p:clrMapOvr>
-  <mc:AlternateContent xmlns:mc="http://schemas.openxmlformats.org/markup-compatibility/2006">
-    <mc:Choice xmlns:p14="http://schemas.microsoft.com/office/powerpoint/2010/main" Requires="p14">
+  <mc:AlternateContent xmlns:mc="http://schemas.openxmlformats.org/markup-compatibility/2006" xmlns:p14="http://schemas.microsoft.com/office/powerpoint/2010/main">
+    <mc:Choice Requires="p14">
       <p:transition spd="slow" p14:dur="3400">
         <p14:reveal/>
       </p:transition>
     </mc:Choice>
-    <mc:Fallback>
+    <mc:Fallback xmlns="">
       <p:transition spd="slow">
         <p:fade/>
       </p:transition>
@@ -1892,7 +1892,7 @@
           <a:p>
             <a:fld id="{C6EE7B1F-A2D5-4A42-9986-2D7AA8151C37}" type="datetimeFigureOut">
               <a:rPr lang="en-US" smtClean="0"/>
-              <a:t>8/8/2011</a:t>
+              <a:t>8/9/2011</a:t>
             </a:fld>
             <a:endParaRPr lang="en-US"/>
           </a:p>
@@ -1945,13 +1945,13 @@
   <p:clrMapOvr>
     <a:masterClrMapping/>
   </p:clrMapOvr>
-  <mc:AlternateContent xmlns:mc="http://schemas.openxmlformats.org/markup-compatibility/2006">
-    <mc:Choice xmlns:p14="http://schemas.microsoft.com/office/powerpoint/2010/main" Requires="p14">
+  <mc:AlternateContent xmlns:mc="http://schemas.openxmlformats.org/markup-compatibility/2006" xmlns:p14="http://schemas.microsoft.com/office/powerpoint/2010/main">
+    <mc:Choice Requires="p14">
       <p:transition spd="slow" p14:dur="3400">
         <p14:reveal/>
       </p:transition>
     </mc:Choice>
-    <mc:Fallback>
+    <mc:Fallback xmlns="">
       <p:transition spd="slow">
         <p:fade/>
       </p:transition>
@@ -2022,7 +2022,7 @@
           <a:p>
             <a:fld id="{C6EE7B1F-A2D5-4A42-9986-2D7AA8151C37}" type="datetimeFigureOut">
               <a:rPr lang="en-US" smtClean="0"/>
-              <a:t>8/8/2011</a:t>
+              <a:t>8/9/2011</a:t>
             </a:fld>
             <a:endParaRPr lang="en-US"/>
           </a:p>
@@ -2075,13 +2075,13 @@
   <p:clrMapOvr>
     <a:masterClrMapping/>
   </p:clrMapOvr>
-  <mc:AlternateContent xmlns:mc="http://schemas.openxmlformats.org/markup-compatibility/2006">
-    <mc:Choice xmlns:p14="http://schemas.microsoft.com/office/powerpoint/2010/main" Requires="p14">
+  <mc:AlternateContent xmlns:mc="http://schemas.openxmlformats.org/markup-compatibility/2006" xmlns:p14="http://schemas.microsoft.com/office/powerpoint/2010/main">
+    <mc:Choice Requires="p14">
       <p:transition spd="slow" p14:dur="3400">
         <p14:reveal/>
       </p:transition>
     </mc:Choice>
-    <mc:Fallback>
+    <mc:Fallback xmlns="">
       <p:transition spd="slow">
         <p:fade/>
       </p:transition>
@@ -2124,7 +2124,7 @@
           <a:p>
             <a:fld id="{C6EE7B1F-A2D5-4A42-9986-2D7AA8151C37}" type="datetimeFigureOut">
               <a:rPr lang="en-US" smtClean="0"/>
-              <a:t>8/8/2011</a:t>
+              <a:t>8/9/2011</a:t>
             </a:fld>
             <a:endParaRPr lang="en-US"/>
           </a:p>
@@ -2177,13 +2177,13 @@
   <p:clrMapOvr>
     <a:masterClrMapping/>
   </p:clrMapOvr>
-  <mc:AlternateContent xmlns:mc="http://schemas.openxmlformats.org/markup-compatibility/2006">
-    <mc:Choice xmlns:p14="http://schemas.microsoft.com/office/powerpoint/2010/main" Requires="p14">
+  <mc:AlternateContent xmlns:mc="http://schemas.openxmlformats.org/markup-compatibility/2006" xmlns:p14="http://schemas.microsoft.com/office/powerpoint/2010/main">
+    <mc:Choice Requires="p14">
       <p:transition spd="slow" p14:dur="3400">
         <p14:reveal/>
       </p:transition>
     </mc:Choice>
-    <mc:Fallback>
+    <mc:Fallback xmlns="">
       <p:transition spd="slow">
         <p:fade/>
       </p:transition>
@@ -2386,7 +2386,7 @@
           <a:p>
             <a:fld id="{C6EE7B1F-A2D5-4A42-9986-2D7AA8151C37}" type="datetimeFigureOut">
               <a:rPr lang="en-US" smtClean="0"/>
-              <a:t>8/8/2011</a:t>
+              <a:t>8/9/2011</a:t>
             </a:fld>
             <a:endParaRPr lang="en-US"/>
           </a:p>
@@ -2439,13 +2439,13 @@
   <p:clrMapOvr>
     <a:masterClrMapping/>
   </p:clrMapOvr>
-  <mc:AlternateContent xmlns:mc="http://schemas.openxmlformats.org/markup-compatibility/2006">
-    <mc:Choice xmlns:p14="http://schemas.microsoft.com/office/powerpoint/2010/main" Requires="p14">
+  <mc:AlternateContent xmlns:mc="http://schemas.openxmlformats.org/markup-compatibility/2006" xmlns:p14="http://schemas.microsoft.com/office/powerpoint/2010/main">
+    <mc:Choice Requires="p14">
       <p:transition spd="slow" p14:dur="3400">
         <p14:reveal/>
       </p:transition>
     </mc:Choice>
-    <mc:Fallback>
+    <mc:Fallback xmlns="">
       <p:transition spd="slow">
         <p:fade/>
       </p:transition>
@@ -2914,7 +2914,7 @@
           <a:p>
             <a:fld id="{C6EE7B1F-A2D5-4A42-9986-2D7AA8151C37}" type="datetimeFigureOut">
               <a:rPr lang="en-US" smtClean="0"/>
-              <a:t>8/8/2011</a:t>
+              <a:t>8/9/2011</a:t>
             </a:fld>
             <a:endParaRPr lang="en-US"/>
           </a:p>
@@ -2967,13 +2967,13 @@
   <p:clrMapOvr>
     <a:masterClrMapping/>
   </p:clrMapOvr>
-  <mc:AlternateContent xmlns:mc="http://schemas.openxmlformats.org/markup-compatibility/2006">
-    <mc:Choice xmlns:p14="http://schemas.microsoft.com/office/powerpoint/2010/main" Requires="p14">
+  <mc:AlternateContent xmlns:mc="http://schemas.openxmlformats.org/markup-compatibility/2006" xmlns:p14="http://schemas.microsoft.com/office/powerpoint/2010/main">
+    <mc:Choice Requires="p14">
       <p:transition spd="slow" p14:dur="3400">
         <p14:reveal/>
       </p:transition>
     </mc:Choice>
-    <mc:Fallback>
+    <mc:Fallback xmlns="">
       <p:transition spd="slow">
         <p:fade/>
       </p:transition>
@@ -3156,7 +3156,7 @@
           <a:p>
             <a:fld id="{C6EE7B1F-A2D5-4A42-9986-2D7AA8151C37}" type="datetimeFigureOut">
               <a:rPr lang="en-US" smtClean="0"/>
-              <a:t>8/8/2011</a:t>
+              <a:t>8/9/2011</a:t>
             </a:fld>
             <a:endParaRPr lang="en-US"/>
           </a:p>
@@ -3252,13 +3252,13 @@
     <p:sldLayoutId id="2147483754" r:id="rId10"/>
     <p:sldLayoutId id="2147483755" r:id="rId11"/>
   </p:sldLayoutIdLst>
-  <mc:AlternateContent xmlns:mc="http://schemas.openxmlformats.org/markup-compatibility/2006">
-    <mc:Choice xmlns:p14="http://schemas.microsoft.com/office/powerpoint/2010/main" Requires="p14">
+  <mc:AlternateContent xmlns:mc="http://schemas.openxmlformats.org/markup-compatibility/2006" xmlns:p14="http://schemas.microsoft.com/office/powerpoint/2010/main">
+    <mc:Choice Requires="p14">
       <p:transition spd="slow" p14:dur="3400">
         <p14:reveal/>
       </p:transition>
     </mc:Choice>
-    <mc:Fallback>
+    <mc:Fallback xmlns="">
       <p:transition spd="slow">
         <p:fade/>
       </p:transition>
@@ -3746,13 +3746,13 @@
   <p:clrMapOvr>
     <a:masterClrMapping/>
   </p:clrMapOvr>
-  <mc:AlternateContent xmlns:mc="http://schemas.openxmlformats.org/markup-compatibility/2006">
-    <mc:Choice xmlns:p14="http://schemas.microsoft.com/office/powerpoint/2010/main" Requires="p14">
+  <mc:AlternateContent xmlns:mc="http://schemas.openxmlformats.org/markup-compatibility/2006" xmlns:p14="http://schemas.microsoft.com/office/powerpoint/2010/main">
+    <mc:Choice Requires="p14">
       <p:transition spd="slow" p14:dur="3400">
         <p14:reveal/>
       </p:transition>
     </mc:Choice>
-    <mc:Fallback>
+    <mc:Fallback xmlns="">
       <p:transition spd="slow">
         <p:fade/>
       </p:transition>
@@ -3843,12 +3843,12 @@
               <a:t>Java is portable and object oriented, so you can create a portable Lisp that can be </a:t>
             </a:r>
             <a:r>
-              <a:rPr lang="en-US" sz="2800" dirty="0" err="1" smtClean="0"/>
-              <a:t>onject</a:t>
-            </a:r>
-            <a:r>
               <a:rPr lang="en-US" sz="2800" dirty="0" smtClean="0"/>
-              <a:t> oriented</a:t>
+              <a:t>object </a:t>
+            </a:r>
+            <a:r>
+              <a:rPr lang="en-US" sz="2800" dirty="0" smtClean="0"/>
+              <a:t>oriented</a:t>
             </a:r>
           </a:p>
           <a:p>
@@ -3870,13 +3870,13 @@
   <p:clrMapOvr>
     <a:masterClrMapping/>
   </p:clrMapOvr>
-  <mc:AlternateContent xmlns:mc="http://schemas.openxmlformats.org/markup-compatibility/2006">
-    <mc:Choice xmlns:p14="http://schemas.microsoft.com/office/powerpoint/2010/main" Requires="p14">
+  <mc:AlternateContent xmlns:mc="http://schemas.openxmlformats.org/markup-compatibility/2006" xmlns:p14="http://schemas.microsoft.com/office/powerpoint/2010/main">
+    <mc:Choice Requires="p14">
       <p:transition spd="slow" p14:dur="3400">
         <p14:reveal/>
       </p:transition>
     </mc:Choice>
-    <mc:Fallback>
+    <mc:Fallback xmlns="">
       <p:transition spd="slow">
         <p:fade/>
       </p:transition>
@@ -3988,13 +3988,13 @@
   <p:clrMapOvr>
     <a:masterClrMapping/>
   </p:clrMapOvr>
-  <mc:AlternateContent xmlns:mc="http://schemas.openxmlformats.org/markup-compatibility/2006">
-    <mc:Choice xmlns:p14="http://schemas.microsoft.com/office/powerpoint/2010/main" Requires="p14">
+  <mc:AlternateContent xmlns:mc="http://schemas.openxmlformats.org/markup-compatibility/2006" xmlns:p14="http://schemas.microsoft.com/office/powerpoint/2010/main">
+    <mc:Choice Requires="p14">
       <p:transition spd="slow" p14:dur="3400">
         <p14:reveal/>
       </p:transition>
     </mc:Choice>
-    <mc:Fallback>
+    <mc:Fallback xmlns="">
       <p:transition spd="slow">
         <p:fade/>
       </p:transition>
@@ -4298,13 +4298,13 @@
   <p:clrMapOvr>
     <a:masterClrMapping/>
   </p:clrMapOvr>
-  <mc:AlternateContent xmlns:mc="http://schemas.openxmlformats.org/markup-compatibility/2006">
-    <mc:Choice xmlns:p14="http://schemas.microsoft.com/office/powerpoint/2010/main" Requires="p14">
+  <mc:AlternateContent xmlns:mc="http://schemas.openxmlformats.org/markup-compatibility/2006" xmlns:p14="http://schemas.microsoft.com/office/powerpoint/2010/main">
+    <mc:Choice Requires="p14">
       <p:transition spd="slow" p14:dur="3400">
         <p14:reveal/>
       </p:transition>
     </mc:Choice>
-    <mc:Fallback>
+    <mc:Fallback xmlns="">
       <p:transition spd="slow">
         <p:fade/>
       </p:transition>
@@ -4413,13 +4413,13 @@
   <p:clrMapOvr>
     <a:masterClrMapping/>
   </p:clrMapOvr>
-  <mc:AlternateContent xmlns:mc="http://schemas.openxmlformats.org/markup-compatibility/2006">
-    <mc:Choice xmlns:p14="http://schemas.microsoft.com/office/powerpoint/2010/main" Requires="p14">
+  <mc:AlternateContent xmlns:mc="http://schemas.openxmlformats.org/markup-compatibility/2006" xmlns:p14="http://schemas.microsoft.com/office/powerpoint/2010/main">
+    <mc:Choice Requires="p14">
       <p:transition spd="slow" p14:dur="3400">
         <p14:reveal/>
       </p:transition>
     </mc:Choice>
-    <mc:Fallback>
+    <mc:Fallback xmlns="">
       <p:transition spd="slow">
         <p:fade/>
       </p:transition>
@@ -4537,13 +4537,13 @@
   <p:clrMapOvr>
     <a:masterClrMapping/>
   </p:clrMapOvr>
-  <mc:AlternateContent xmlns:mc="http://schemas.openxmlformats.org/markup-compatibility/2006">
-    <mc:Choice xmlns:p14="http://schemas.microsoft.com/office/powerpoint/2010/main" Requires="p14">
+  <mc:AlternateContent xmlns:mc="http://schemas.openxmlformats.org/markup-compatibility/2006" xmlns:p14="http://schemas.microsoft.com/office/powerpoint/2010/main">
+    <mc:Choice Requires="p14">
       <p:transition spd="slow" p14:dur="3400">
         <p14:reveal/>
       </p:transition>
     </mc:Choice>
-    <mc:Fallback>
+    <mc:Fallback xmlns="">
       <p:transition spd="slow">
         <p:fade/>
       </p:transition>
@@ -4664,13 +4664,13 @@
   <p:clrMapOvr>
     <a:masterClrMapping/>
   </p:clrMapOvr>
-  <mc:AlternateContent xmlns:mc="http://schemas.openxmlformats.org/markup-compatibility/2006">
-    <mc:Choice xmlns:p14="http://schemas.microsoft.com/office/powerpoint/2010/main" Requires="p14">
+  <mc:AlternateContent xmlns:mc="http://schemas.openxmlformats.org/markup-compatibility/2006" xmlns:p14="http://schemas.microsoft.com/office/powerpoint/2010/main">
+    <mc:Choice Requires="p14">
       <p:transition spd="slow" p14:dur="3400">
         <p14:reveal/>
       </p:transition>
     </mc:Choice>
-    <mc:Fallback>
+    <mc:Fallback xmlns="">
       <p:transition spd="slow">
         <p:fade/>
       </p:transition>
@@ -4785,13 +4785,13 @@
   <p:clrMapOvr>
     <a:masterClrMapping/>
   </p:clrMapOvr>
-  <mc:AlternateContent xmlns:mc="http://schemas.openxmlformats.org/markup-compatibility/2006">
-    <mc:Choice xmlns:p14="http://schemas.microsoft.com/office/powerpoint/2010/main" Requires="p14">
+  <mc:AlternateContent xmlns:mc="http://schemas.openxmlformats.org/markup-compatibility/2006" xmlns:p14="http://schemas.microsoft.com/office/powerpoint/2010/main">
+    <mc:Choice Requires="p14">
       <p:transition spd="slow" p14:dur="3400">
         <p14:reveal/>
       </p:transition>
     </mc:Choice>
-    <mc:Fallback>
+    <mc:Fallback xmlns="">
       <p:transition spd="slow">
         <p:fade/>
       </p:transition>
@@ -5076,13 +5076,13 @@
   <p:clrMapOvr>
     <a:masterClrMapping/>
   </p:clrMapOvr>
-  <mc:AlternateContent xmlns:mc="http://schemas.openxmlformats.org/markup-compatibility/2006">
-    <mc:Choice xmlns:p14="http://schemas.microsoft.com/office/powerpoint/2010/main" Requires="p14">
+  <mc:AlternateContent xmlns:mc="http://schemas.openxmlformats.org/markup-compatibility/2006" xmlns:p14="http://schemas.microsoft.com/office/powerpoint/2010/main">
+    <mc:Choice Requires="p14">
       <p:transition spd="slow" p14:dur="3400">
         <p14:reveal/>
       </p:transition>
     </mc:Choice>
-    <mc:Fallback>
+    <mc:Fallback xmlns="">
       <p:transition spd="slow">
         <p:fade/>
       </p:transition>
@@ -5383,13 +5383,13 @@
   <p:clrMapOvr>
     <a:masterClrMapping/>
   </p:clrMapOvr>
-  <mc:AlternateContent xmlns:mc="http://schemas.openxmlformats.org/markup-compatibility/2006">
-    <mc:Choice xmlns:p14="http://schemas.microsoft.com/office/powerpoint/2010/main" Requires="p14">
+  <mc:AlternateContent xmlns:mc="http://schemas.openxmlformats.org/markup-compatibility/2006" xmlns:p14="http://schemas.microsoft.com/office/powerpoint/2010/main">
+    <mc:Choice Requires="p14">
       <p:transition spd="slow" p14:dur="3400">
         <p14:reveal/>
       </p:transition>
     </mc:Choice>
-    <mc:Fallback>
+    <mc:Fallback xmlns="">
       <p:transition spd="slow">
         <p:fade/>
       </p:transition>
@@ -5722,13 +5722,13 @@
   <p:clrMapOvr>
     <a:masterClrMapping/>
   </p:clrMapOvr>
-  <mc:AlternateContent xmlns:mc="http://schemas.openxmlformats.org/markup-compatibility/2006">
-    <mc:Choice xmlns:p14="http://schemas.microsoft.com/office/powerpoint/2010/main" Requires="p14">
+  <mc:AlternateContent xmlns:mc="http://schemas.openxmlformats.org/markup-compatibility/2006" xmlns:p14="http://schemas.microsoft.com/office/powerpoint/2010/main">
+    <mc:Choice Requires="p14">
       <p:transition spd="slow" p14:dur="3400">
         <p14:reveal/>
       </p:transition>
     </mc:Choice>
-    <mc:Fallback>
+    <mc:Fallback xmlns="">
       <p:transition spd="slow">
         <p:fade/>
       </p:transition>
@@ -5859,13 +5859,13 @@
   <p:clrMapOvr>
     <a:masterClrMapping/>
   </p:clrMapOvr>
-  <mc:AlternateContent xmlns:mc="http://schemas.openxmlformats.org/markup-compatibility/2006">
-    <mc:Choice xmlns:p14="http://schemas.microsoft.com/office/powerpoint/2010/main" Requires="p14">
+  <mc:AlternateContent xmlns:mc="http://schemas.openxmlformats.org/markup-compatibility/2006" xmlns:p14="http://schemas.microsoft.com/office/powerpoint/2010/main">
+    <mc:Choice Requires="p14">
       <p:transition spd="slow" p14:dur="3400">
         <p14:reveal/>
       </p:transition>
     </mc:Choice>
-    <mc:Fallback>
+    <mc:Fallback xmlns="">
       <p:transition spd="slow">
         <p:fade/>
       </p:transition>
@@ -6205,13 +6205,13 @@
   <p:clrMapOvr>
     <a:masterClrMapping/>
   </p:clrMapOvr>
-  <mc:AlternateContent xmlns:mc="http://schemas.openxmlformats.org/markup-compatibility/2006">
-    <mc:Choice xmlns:p14="http://schemas.microsoft.com/office/powerpoint/2010/main" Requires="p14">
+  <mc:AlternateContent xmlns:mc="http://schemas.openxmlformats.org/markup-compatibility/2006" xmlns:p14="http://schemas.microsoft.com/office/powerpoint/2010/main">
+    <mc:Choice Requires="p14">
       <p:transition spd="slow" p14:dur="3400">
         <p14:reveal/>
       </p:transition>
     </mc:Choice>
-    <mc:Fallback>
+    <mc:Fallback xmlns="">
       <p:transition spd="slow">
         <p:fade/>
       </p:transition>
@@ -6489,13 +6489,13 @@
   <p:clrMapOvr>
     <a:masterClrMapping/>
   </p:clrMapOvr>
-  <mc:AlternateContent xmlns:mc="http://schemas.openxmlformats.org/markup-compatibility/2006">
-    <mc:Choice xmlns:p14="http://schemas.microsoft.com/office/powerpoint/2010/main" Requires="p14">
+  <mc:AlternateContent xmlns:mc="http://schemas.openxmlformats.org/markup-compatibility/2006" xmlns:p14="http://schemas.microsoft.com/office/powerpoint/2010/main">
+    <mc:Choice Requires="p14">
       <p:transition spd="slow" p14:dur="3400">
         <p14:reveal/>
       </p:transition>
     </mc:Choice>
-    <mc:Fallback>
+    <mc:Fallback xmlns="">
       <p:transition spd="slow">
         <p:fade/>
       </p:transition>
@@ -6797,13 +6797,13 @@
   <p:clrMapOvr>
     <a:masterClrMapping/>
   </p:clrMapOvr>
-  <mc:AlternateContent xmlns:mc="http://schemas.openxmlformats.org/markup-compatibility/2006">
-    <mc:Choice xmlns:p14="http://schemas.microsoft.com/office/powerpoint/2010/main" Requires="p14">
+  <mc:AlternateContent xmlns:mc="http://schemas.openxmlformats.org/markup-compatibility/2006" xmlns:p14="http://schemas.microsoft.com/office/powerpoint/2010/main">
+    <mc:Choice Requires="p14">
       <p:transition spd="slow" p14:dur="3400">
         <p14:reveal/>
       </p:transition>
     </mc:Choice>
-    <mc:Fallback>
+    <mc:Fallback xmlns="">
       <p:transition spd="slow">
         <p:fade/>
       </p:transition>
@@ -7090,13 +7090,13 @@
   <p:clrMapOvr>
     <a:masterClrMapping/>
   </p:clrMapOvr>
-  <mc:AlternateContent xmlns:mc="http://schemas.openxmlformats.org/markup-compatibility/2006">
-    <mc:Choice xmlns:p14="http://schemas.microsoft.com/office/powerpoint/2010/main" Requires="p14">
+  <mc:AlternateContent xmlns:mc="http://schemas.openxmlformats.org/markup-compatibility/2006" xmlns:p14="http://schemas.microsoft.com/office/powerpoint/2010/main">
+    <mc:Choice Requires="p14">
       <p:transition spd="slow" p14:dur="3400">
         <p14:reveal/>
       </p:transition>
     </mc:Choice>
-    <mc:Fallback>
+    <mc:Fallback xmlns="">
       <p:transition spd="slow">
         <p:fade/>
       </p:transition>
@@ -7426,13 +7426,13 @@
   <p:clrMapOvr>
     <a:masterClrMapping/>
   </p:clrMapOvr>
-  <mc:AlternateContent xmlns:mc="http://schemas.openxmlformats.org/markup-compatibility/2006">
-    <mc:Choice xmlns:p14="http://schemas.microsoft.com/office/powerpoint/2010/main" Requires="p14">
+  <mc:AlternateContent xmlns:mc="http://schemas.openxmlformats.org/markup-compatibility/2006" xmlns:p14="http://schemas.microsoft.com/office/powerpoint/2010/main">
+    <mc:Choice Requires="p14">
       <p:transition spd="slow" p14:dur="3400">
         <p14:reveal/>
       </p:transition>
     </mc:Choice>
-    <mc:Fallback>
+    <mc:Fallback xmlns="">
       <p:transition spd="slow">
         <p:fade/>
       </p:transition>
@@ -7990,13 +7990,13 @@
   <p:clrMapOvr>
     <a:masterClrMapping/>
   </p:clrMapOvr>
-  <mc:AlternateContent xmlns:mc="http://schemas.openxmlformats.org/markup-compatibility/2006">
-    <mc:Choice xmlns:p14="http://schemas.microsoft.com/office/powerpoint/2010/main" Requires="p14">
+  <mc:AlternateContent xmlns:mc="http://schemas.openxmlformats.org/markup-compatibility/2006" xmlns:p14="http://schemas.microsoft.com/office/powerpoint/2010/main">
+    <mc:Choice Requires="p14">
       <p:transition spd="slow" p14:dur="3400">
         <p14:reveal/>
       </p:transition>
     </mc:Choice>
-    <mc:Fallback>
+    <mc:Fallback xmlns="">
       <p:transition spd="slow">
         <p:fade/>
       </p:transition>
@@ -8109,13 +8109,13 @@
   <p:clrMapOvr>
     <a:masterClrMapping/>
   </p:clrMapOvr>
-  <mc:AlternateContent xmlns:mc="http://schemas.openxmlformats.org/markup-compatibility/2006">
-    <mc:Choice xmlns:p14="http://schemas.microsoft.com/office/powerpoint/2010/main" Requires="p14">
+  <mc:AlternateContent xmlns:mc="http://schemas.openxmlformats.org/markup-compatibility/2006" xmlns:p14="http://schemas.microsoft.com/office/powerpoint/2010/main">
+    <mc:Choice Requires="p14">
       <p:transition spd="slow" p14:dur="3400">
         <p14:reveal/>
       </p:transition>
     </mc:Choice>
-    <mc:Fallback>
+    <mc:Fallback xmlns="">
       <p:transition spd="slow">
         <p:fade/>
       </p:transition>
@@ -8246,8 +8246,8 @@
   <p:clrMapOvr>
     <a:masterClrMapping/>
   </p:clrMapOvr>
-  <mc:AlternateContent xmlns:mc="http://schemas.openxmlformats.org/markup-compatibility/2006">
-    <mc:Choice xmlns:p14="http://schemas.microsoft.com/office/powerpoint/2010/main" Requires="p14">
+  <mc:AlternateContent xmlns:mc="http://schemas.openxmlformats.org/markup-compatibility/2006" xmlns:p14="http://schemas.microsoft.com/office/powerpoint/2010/main">
+    <mc:Choice Requires="p14">
       <p:transition spd="slow" p14:dur="3400">
         <p14:reveal/>
         <p:sndAc>
@@ -8257,12 +8257,12 @@
         </p:sndAc>
       </p:transition>
     </mc:Choice>
-    <mc:Fallback>
+    <mc:Fallback xmlns="">
       <p:transition spd="slow">
         <p:fade/>
         <p:sndAc>
           <p:stSnd>
-            <p:snd r:embed="rId2" name="applause.wav"/>
+            <p:snd r:embed="rId4" name="applause.wav"/>
           </p:stSnd>
         </p:sndAc>
       </p:transition>
@@ -8441,13 +8441,13 @@
   <p:clrMapOvr>
     <a:masterClrMapping/>
   </p:clrMapOvr>
-  <mc:AlternateContent xmlns:mc="http://schemas.openxmlformats.org/markup-compatibility/2006">
-    <mc:Choice xmlns:p14="http://schemas.microsoft.com/office/powerpoint/2010/main" Requires="p14">
+  <mc:AlternateContent xmlns:mc="http://schemas.openxmlformats.org/markup-compatibility/2006" xmlns:p14="http://schemas.microsoft.com/office/powerpoint/2010/main">
+    <mc:Choice Requires="p14">
       <p:transition spd="slow" p14:dur="3400">
         <p14:reveal/>
       </p:transition>
     </mc:Choice>
-    <mc:Fallback>
+    <mc:Fallback xmlns="">
       <p:transition spd="slow">
         <p:fade/>
       </p:transition>
@@ -8579,13 +8579,13 @@
   <p:clrMapOvr>
     <a:masterClrMapping/>
   </p:clrMapOvr>
-  <mc:AlternateContent xmlns:mc="http://schemas.openxmlformats.org/markup-compatibility/2006">
-    <mc:Choice xmlns:p14="http://schemas.microsoft.com/office/powerpoint/2010/main" Requires="p14">
+  <mc:AlternateContent xmlns:mc="http://schemas.openxmlformats.org/markup-compatibility/2006" xmlns:p14="http://schemas.microsoft.com/office/powerpoint/2010/main">
+    <mc:Choice Requires="p14">
       <p:transition spd="slow" p14:dur="3400">
         <p14:reveal/>
       </p:transition>
     </mc:Choice>
-    <mc:Fallback>
+    <mc:Fallback xmlns="">
       <p:transition spd="slow">
         <p:fade/>
       </p:transition>
@@ -8712,13 +8712,13 @@
   <p:clrMapOvr>
     <a:masterClrMapping/>
   </p:clrMapOvr>
-  <mc:AlternateContent xmlns:mc="http://schemas.openxmlformats.org/markup-compatibility/2006">
-    <mc:Choice xmlns:p14="http://schemas.microsoft.com/office/powerpoint/2010/main" Requires="p14">
+  <mc:AlternateContent xmlns:mc="http://schemas.openxmlformats.org/markup-compatibility/2006" xmlns:p14="http://schemas.microsoft.com/office/powerpoint/2010/main">
+    <mc:Choice Requires="p14">
       <p:transition spd="slow" p14:dur="3400">
         <p14:reveal/>
       </p:transition>
     </mc:Choice>
-    <mc:Fallback>
+    <mc:Fallback xmlns="">
       <p:transition spd="slow">
         <p:fade/>
       </p:transition>
@@ -8925,13 +8925,13 @@
   <p:clrMapOvr>
     <a:masterClrMapping/>
   </p:clrMapOvr>
-  <mc:AlternateContent xmlns:mc="http://schemas.openxmlformats.org/markup-compatibility/2006">
-    <mc:Choice xmlns:p14="http://schemas.microsoft.com/office/powerpoint/2010/main" Requires="p14">
+  <mc:AlternateContent xmlns:mc="http://schemas.openxmlformats.org/markup-compatibility/2006" xmlns:p14="http://schemas.microsoft.com/office/powerpoint/2010/main">
+    <mc:Choice Requires="p14">
       <p:transition spd="slow" p14:dur="3400">
         <p14:reveal/>
       </p:transition>
     </mc:Choice>
-    <mc:Fallback>
+    <mc:Fallback xmlns="">
       <p:transition spd="slow">
         <p:fade/>
       </p:transition>
@@ -9081,13 +9081,13 @@
   <p:clrMapOvr>
     <a:masterClrMapping/>
   </p:clrMapOvr>
-  <mc:AlternateContent xmlns:mc="http://schemas.openxmlformats.org/markup-compatibility/2006">
-    <mc:Choice xmlns:p14="http://schemas.microsoft.com/office/powerpoint/2010/main" Requires="p14">
+  <mc:AlternateContent xmlns:mc="http://schemas.openxmlformats.org/markup-compatibility/2006" xmlns:p14="http://schemas.microsoft.com/office/powerpoint/2010/main">
+    <mc:Choice Requires="p14">
       <p:transition spd="slow" p14:dur="3400">
         <p14:reveal/>
       </p:transition>
     </mc:Choice>
-    <mc:Fallback>
+    <mc:Fallback xmlns="">
       <p:transition spd="slow">
         <p:fade/>
       </p:transition>
@@ -9199,8 +9199,8 @@
               <a:t>Every line of code in Lisp is inside of </a:t>
             </a:r>
             <a:r>
-              <a:rPr lang="en-US" dirty="0" err="1" smtClean="0"/>
-              <a:t>parenthsis</a:t>
+              <a:rPr lang="en-US" dirty="0" smtClean="0"/>
+              <a:t>parentheses</a:t>
             </a:r>
             <a:endParaRPr lang="en-US" dirty="0" smtClean="0"/>
           </a:p>
@@ -9216,13 +9216,13 @@
   <p:clrMapOvr>
     <a:masterClrMapping/>
   </p:clrMapOvr>
-  <mc:AlternateContent xmlns:mc="http://schemas.openxmlformats.org/markup-compatibility/2006">
-    <mc:Choice xmlns:p14="http://schemas.microsoft.com/office/powerpoint/2010/main" Requires="p14">
+  <mc:AlternateContent xmlns:mc="http://schemas.openxmlformats.org/markup-compatibility/2006" xmlns:p14="http://schemas.microsoft.com/office/powerpoint/2010/main">
+    <mc:Choice Requires="p14">
       <p:transition spd="slow" p14:dur="3400">
         <p14:reveal/>
       </p:transition>
     </mc:Choice>
-    <mc:Fallback>
+    <mc:Fallback xmlns="">
       <p:transition spd="slow">
         <p:fade/>
       </p:transition>
@@ -9347,13 +9347,13 @@
   <p:clrMapOvr>
     <a:masterClrMapping/>
   </p:clrMapOvr>
-  <mc:AlternateContent xmlns:mc="http://schemas.openxmlformats.org/markup-compatibility/2006">
-    <mc:Choice xmlns:p14="http://schemas.microsoft.com/office/powerpoint/2010/main" Requires="p14">
+  <mc:AlternateContent xmlns:mc="http://schemas.openxmlformats.org/markup-compatibility/2006" xmlns:p14="http://schemas.microsoft.com/office/powerpoint/2010/main">
+    <mc:Choice Requires="p14">
       <p:transition spd="slow" p14:dur="3400">
         <p14:reveal/>
       </p:transition>
     </mc:Choice>
-    <mc:Fallback>
+    <mc:Fallback xmlns="">
       <p:transition spd="slow">
         <p:fade/>
       </p:transition>

--- a/Lispinterpreter.pptx
+++ b/Lispinterpreter.pptx
@@ -192,7 +192,7 @@
           <a:p>
             <a:fld id="{C6EE7B1F-A2D5-4A42-9986-2D7AA8151C37}" type="datetimeFigureOut">
               <a:rPr lang="en-US" smtClean="0"/>
-              <a:t>8/8/2011</a:t>
+              <a:t>8/9/2011</a:t>
             </a:fld>
             <a:endParaRPr lang="en-US"/>
           </a:p>
@@ -396,13 +396,13 @@
   <p:clrMapOvr>
     <a:masterClrMapping/>
   </p:clrMapOvr>
-  <mc:AlternateContent xmlns:mc="http://schemas.openxmlformats.org/markup-compatibility/2006">
-    <mc:Choice xmlns:p14="http://schemas.microsoft.com/office/powerpoint/2010/main" Requires="p14">
+  <mc:AlternateContent xmlns:mc="http://schemas.openxmlformats.org/markup-compatibility/2006" xmlns:p14="http://schemas.microsoft.com/office/powerpoint/2010/main">
+    <mc:Choice Requires="p14">
       <p:transition spd="slow" p14:dur="3400">
         <p14:reveal/>
       </p:transition>
     </mc:Choice>
-    <mc:Fallback>
+    <mc:Fallback xmlns="">
       <p:transition spd="slow">
         <p:fade/>
       </p:transition>
@@ -520,7 +520,7 @@
           <a:p>
             <a:fld id="{C6EE7B1F-A2D5-4A42-9986-2D7AA8151C37}" type="datetimeFigureOut">
               <a:rPr lang="en-US" smtClean="0"/>
-              <a:t>8/8/2011</a:t>
+              <a:t>8/9/2011</a:t>
             </a:fld>
             <a:endParaRPr lang="en-US"/>
           </a:p>
@@ -573,13 +573,13 @@
   <p:clrMapOvr>
     <a:masterClrMapping/>
   </p:clrMapOvr>
-  <mc:AlternateContent xmlns:mc="http://schemas.openxmlformats.org/markup-compatibility/2006">
-    <mc:Choice xmlns:p14="http://schemas.microsoft.com/office/powerpoint/2010/main" Requires="p14">
+  <mc:AlternateContent xmlns:mc="http://schemas.openxmlformats.org/markup-compatibility/2006" xmlns:p14="http://schemas.microsoft.com/office/powerpoint/2010/main">
+    <mc:Choice Requires="p14">
       <p:transition spd="slow" p14:dur="3400">
         <p14:reveal/>
       </p:transition>
     </mc:Choice>
-    <mc:Fallback>
+    <mc:Fallback xmlns="">
       <p:transition spd="slow">
         <p:fade/>
       </p:transition>
@@ -707,7 +707,7 @@
           <a:p>
             <a:fld id="{C6EE7B1F-A2D5-4A42-9986-2D7AA8151C37}" type="datetimeFigureOut">
               <a:rPr lang="en-US" smtClean="0"/>
-              <a:t>8/8/2011</a:t>
+              <a:t>8/9/2011</a:t>
             </a:fld>
             <a:endParaRPr lang="en-US"/>
           </a:p>
@@ -760,13 +760,13 @@
   <p:clrMapOvr>
     <a:masterClrMapping/>
   </p:clrMapOvr>
-  <mc:AlternateContent xmlns:mc="http://schemas.openxmlformats.org/markup-compatibility/2006">
-    <mc:Choice xmlns:p14="http://schemas.microsoft.com/office/powerpoint/2010/main" Requires="p14">
+  <mc:AlternateContent xmlns:mc="http://schemas.openxmlformats.org/markup-compatibility/2006" xmlns:p14="http://schemas.microsoft.com/office/powerpoint/2010/main">
+    <mc:Choice Requires="p14">
       <p:transition spd="slow" p14:dur="3400">
         <p14:reveal/>
       </p:transition>
     </mc:Choice>
-    <mc:Fallback>
+    <mc:Fallback xmlns="">
       <p:transition spd="slow">
         <p:fade/>
       </p:transition>
@@ -837,7 +837,7 @@
           <a:p>
             <a:fld id="{C6EE7B1F-A2D5-4A42-9986-2D7AA8151C37}" type="datetimeFigureOut">
               <a:rPr lang="en-US" smtClean="0"/>
-              <a:t>8/8/2011</a:t>
+              <a:t>8/9/2011</a:t>
             </a:fld>
             <a:endParaRPr lang="en-US"/>
           </a:p>
@@ -947,13 +947,13 @@
   <p:clrMapOvr>
     <a:masterClrMapping/>
   </p:clrMapOvr>
-  <mc:AlternateContent xmlns:mc="http://schemas.openxmlformats.org/markup-compatibility/2006">
-    <mc:Choice xmlns:p14="http://schemas.microsoft.com/office/powerpoint/2010/main" Requires="p14">
+  <mc:AlternateContent xmlns:mc="http://schemas.openxmlformats.org/markup-compatibility/2006" xmlns:p14="http://schemas.microsoft.com/office/powerpoint/2010/main">
+    <mc:Choice Requires="p14">
       <p:transition spd="slow" p14:dur="3400">
         <p14:reveal/>
       </p:transition>
     </mc:Choice>
-    <mc:Fallback>
+    <mc:Fallback xmlns="">
       <p:transition spd="slow">
         <p:fade/>
       </p:transition>
@@ -1147,7 +1147,7 @@
           <a:p>
             <a:fld id="{C6EE7B1F-A2D5-4A42-9986-2D7AA8151C37}" type="datetimeFigureOut">
               <a:rPr lang="en-US" smtClean="0"/>
-              <a:t>8/8/2011</a:t>
+              <a:t>8/9/2011</a:t>
             </a:fld>
             <a:endParaRPr lang="en-US"/>
           </a:p>
@@ -1200,13 +1200,13 @@
   <p:clrMapOvr>
     <a:masterClrMapping/>
   </p:clrMapOvr>
-  <mc:AlternateContent xmlns:mc="http://schemas.openxmlformats.org/markup-compatibility/2006">
-    <mc:Choice xmlns:p14="http://schemas.microsoft.com/office/powerpoint/2010/main" Requires="p14">
+  <mc:AlternateContent xmlns:mc="http://schemas.openxmlformats.org/markup-compatibility/2006" xmlns:p14="http://schemas.microsoft.com/office/powerpoint/2010/main">
+    <mc:Choice Requires="p14">
       <p:transition spd="slow" p14:dur="3400">
         <p14:reveal/>
       </p:transition>
     </mc:Choice>
-    <mc:Fallback>
+    <mc:Fallback xmlns="">
       <p:transition spd="slow">
         <p:fade/>
       </p:transition>
@@ -1452,7 +1452,7 @@
           <a:p>
             <a:fld id="{C6EE7B1F-A2D5-4A42-9986-2D7AA8151C37}" type="datetimeFigureOut">
               <a:rPr lang="en-US" smtClean="0"/>
-              <a:t>8/8/2011</a:t>
+              <a:t>8/9/2011</a:t>
             </a:fld>
             <a:endParaRPr lang="en-US"/>
           </a:p>
@@ -1505,13 +1505,13 @@
   <p:clrMapOvr>
     <a:masterClrMapping/>
   </p:clrMapOvr>
-  <mc:AlternateContent xmlns:mc="http://schemas.openxmlformats.org/markup-compatibility/2006">
-    <mc:Choice xmlns:p14="http://schemas.microsoft.com/office/powerpoint/2010/main" Requires="p14">
+  <mc:AlternateContent xmlns:mc="http://schemas.openxmlformats.org/markup-compatibility/2006" xmlns:p14="http://schemas.microsoft.com/office/powerpoint/2010/main">
+    <mc:Choice Requires="p14">
       <p:transition spd="slow" p14:dur="3400">
         <p14:reveal/>
       </p:transition>
     </mc:Choice>
-    <mc:Fallback>
+    <mc:Fallback xmlns="">
       <p:transition spd="slow">
         <p:fade/>
       </p:transition>
@@ -1892,7 +1892,7 @@
           <a:p>
             <a:fld id="{C6EE7B1F-A2D5-4A42-9986-2D7AA8151C37}" type="datetimeFigureOut">
               <a:rPr lang="en-US" smtClean="0"/>
-              <a:t>8/8/2011</a:t>
+              <a:t>8/9/2011</a:t>
             </a:fld>
             <a:endParaRPr lang="en-US"/>
           </a:p>
@@ -1945,13 +1945,13 @@
   <p:clrMapOvr>
     <a:masterClrMapping/>
   </p:clrMapOvr>
-  <mc:AlternateContent xmlns:mc="http://schemas.openxmlformats.org/markup-compatibility/2006">
-    <mc:Choice xmlns:p14="http://schemas.microsoft.com/office/powerpoint/2010/main" Requires="p14">
+  <mc:AlternateContent xmlns:mc="http://schemas.openxmlformats.org/markup-compatibility/2006" xmlns:p14="http://schemas.microsoft.com/office/powerpoint/2010/main">
+    <mc:Choice Requires="p14">
       <p:transition spd="slow" p14:dur="3400">
         <p14:reveal/>
       </p:transition>
     </mc:Choice>
-    <mc:Fallback>
+    <mc:Fallback xmlns="">
       <p:transition spd="slow">
         <p:fade/>
       </p:transition>
@@ -2022,7 +2022,7 @@
           <a:p>
             <a:fld id="{C6EE7B1F-A2D5-4A42-9986-2D7AA8151C37}" type="datetimeFigureOut">
               <a:rPr lang="en-US" smtClean="0"/>
-              <a:t>8/8/2011</a:t>
+              <a:t>8/9/2011</a:t>
             </a:fld>
             <a:endParaRPr lang="en-US"/>
           </a:p>
@@ -2075,13 +2075,13 @@
   <p:clrMapOvr>
     <a:masterClrMapping/>
   </p:clrMapOvr>
-  <mc:AlternateContent xmlns:mc="http://schemas.openxmlformats.org/markup-compatibility/2006">
-    <mc:Choice xmlns:p14="http://schemas.microsoft.com/office/powerpoint/2010/main" Requires="p14">
+  <mc:AlternateContent xmlns:mc="http://schemas.openxmlformats.org/markup-compatibility/2006" xmlns:p14="http://schemas.microsoft.com/office/powerpoint/2010/main">
+    <mc:Choice Requires="p14">
       <p:transition spd="slow" p14:dur="3400">
         <p14:reveal/>
       </p:transition>
     </mc:Choice>
-    <mc:Fallback>
+    <mc:Fallback xmlns="">
       <p:transition spd="slow">
         <p:fade/>
       </p:transition>
@@ -2124,7 +2124,7 @@
           <a:p>
             <a:fld id="{C6EE7B1F-A2D5-4A42-9986-2D7AA8151C37}" type="datetimeFigureOut">
               <a:rPr lang="en-US" smtClean="0"/>
-              <a:t>8/8/2011</a:t>
+              <a:t>8/9/2011</a:t>
             </a:fld>
             <a:endParaRPr lang="en-US"/>
           </a:p>
@@ -2177,13 +2177,13 @@
   <p:clrMapOvr>
     <a:masterClrMapping/>
   </p:clrMapOvr>
-  <mc:AlternateContent xmlns:mc="http://schemas.openxmlformats.org/markup-compatibility/2006">
-    <mc:Choice xmlns:p14="http://schemas.microsoft.com/office/powerpoint/2010/main" Requires="p14">
+  <mc:AlternateContent xmlns:mc="http://schemas.openxmlformats.org/markup-compatibility/2006" xmlns:p14="http://schemas.microsoft.com/office/powerpoint/2010/main">
+    <mc:Choice Requires="p14">
       <p:transition spd="slow" p14:dur="3400">
         <p14:reveal/>
       </p:transition>
     </mc:Choice>
-    <mc:Fallback>
+    <mc:Fallback xmlns="">
       <p:transition spd="slow">
         <p:fade/>
       </p:transition>
@@ -2386,7 +2386,7 @@
           <a:p>
             <a:fld id="{C6EE7B1F-A2D5-4A42-9986-2D7AA8151C37}" type="datetimeFigureOut">
               <a:rPr lang="en-US" smtClean="0"/>
-              <a:t>8/8/2011</a:t>
+              <a:t>8/9/2011</a:t>
             </a:fld>
             <a:endParaRPr lang="en-US"/>
           </a:p>
@@ -2439,13 +2439,13 @@
   <p:clrMapOvr>
     <a:masterClrMapping/>
   </p:clrMapOvr>
-  <mc:AlternateContent xmlns:mc="http://schemas.openxmlformats.org/markup-compatibility/2006">
-    <mc:Choice xmlns:p14="http://schemas.microsoft.com/office/powerpoint/2010/main" Requires="p14">
+  <mc:AlternateContent xmlns:mc="http://schemas.openxmlformats.org/markup-compatibility/2006" xmlns:p14="http://schemas.microsoft.com/office/powerpoint/2010/main">
+    <mc:Choice Requires="p14">
       <p:transition spd="slow" p14:dur="3400">
         <p14:reveal/>
       </p:transition>
     </mc:Choice>
-    <mc:Fallback>
+    <mc:Fallback xmlns="">
       <p:transition spd="slow">
         <p:fade/>
       </p:transition>
@@ -2914,7 +2914,7 @@
           <a:p>
             <a:fld id="{C6EE7B1F-A2D5-4A42-9986-2D7AA8151C37}" type="datetimeFigureOut">
               <a:rPr lang="en-US" smtClean="0"/>
-              <a:t>8/8/2011</a:t>
+              <a:t>8/9/2011</a:t>
             </a:fld>
             <a:endParaRPr lang="en-US"/>
           </a:p>
@@ -2967,13 +2967,13 @@
   <p:clrMapOvr>
     <a:masterClrMapping/>
   </p:clrMapOvr>
-  <mc:AlternateContent xmlns:mc="http://schemas.openxmlformats.org/markup-compatibility/2006">
-    <mc:Choice xmlns:p14="http://schemas.microsoft.com/office/powerpoint/2010/main" Requires="p14">
+  <mc:AlternateContent xmlns:mc="http://schemas.openxmlformats.org/markup-compatibility/2006" xmlns:p14="http://schemas.microsoft.com/office/powerpoint/2010/main">
+    <mc:Choice Requires="p14">
       <p:transition spd="slow" p14:dur="3400">
         <p14:reveal/>
       </p:transition>
     </mc:Choice>
-    <mc:Fallback>
+    <mc:Fallback xmlns="">
       <p:transition spd="slow">
         <p:fade/>
       </p:transition>
@@ -3156,7 +3156,7 @@
           <a:p>
             <a:fld id="{C6EE7B1F-A2D5-4A42-9986-2D7AA8151C37}" type="datetimeFigureOut">
               <a:rPr lang="en-US" smtClean="0"/>
-              <a:t>8/8/2011</a:t>
+              <a:t>8/9/2011</a:t>
             </a:fld>
             <a:endParaRPr lang="en-US"/>
           </a:p>
@@ -3252,13 +3252,13 @@
     <p:sldLayoutId id="2147483754" r:id="rId10"/>
     <p:sldLayoutId id="2147483755" r:id="rId11"/>
   </p:sldLayoutIdLst>
-  <mc:AlternateContent xmlns:mc="http://schemas.openxmlformats.org/markup-compatibility/2006">
-    <mc:Choice xmlns:p14="http://schemas.microsoft.com/office/powerpoint/2010/main" Requires="p14">
+  <mc:AlternateContent xmlns:mc="http://schemas.openxmlformats.org/markup-compatibility/2006" xmlns:p14="http://schemas.microsoft.com/office/powerpoint/2010/main">
+    <mc:Choice Requires="p14">
       <p:transition spd="slow" p14:dur="3400">
         <p14:reveal/>
       </p:transition>
     </mc:Choice>
-    <mc:Fallback>
+    <mc:Fallback xmlns="">
       <p:transition spd="slow">
         <p:fade/>
       </p:transition>
@@ -3746,13 +3746,13 @@
   <p:clrMapOvr>
     <a:masterClrMapping/>
   </p:clrMapOvr>
-  <mc:AlternateContent xmlns:mc="http://schemas.openxmlformats.org/markup-compatibility/2006">
-    <mc:Choice xmlns:p14="http://schemas.microsoft.com/office/powerpoint/2010/main" Requires="p14">
+  <mc:AlternateContent xmlns:mc="http://schemas.openxmlformats.org/markup-compatibility/2006" xmlns:p14="http://schemas.microsoft.com/office/powerpoint/2010/main">
+    <mc:Choice Requires="p14">
       <p:transition spd="slow" p14:dur="3400">
         <p14:reveal/>
       </p:transition>
     </mc:Choice>
-    <mc:Fallback>
+    <mc:Fallback xmlns="">
       <p:transition spd="slow">
         <p:fade/>
       </p:transition>
@@ -3843,12 +3843,12 @@
               <a:t>Java is portable and object oriented, so you can create a portable Lisp that can be </a:t>
             </a:r>
             <a:r>
-              <a:rPr lang="en-US" sz="2800" dirty="0" err="1" smtClean="0"/>
-              <a:t>onject</a:t>
-            </a:r>
-            <a:r>
               <a:rPr lang="en-US" sz="2800" dirty="0" smtClean="0"/>
-              <a:t> oriented</a:t>
+              <a:t>object </a:t>
+            </a:r>
+            <a:r>
+              <a:rPr lang="en-US" sz="2800" dirty="0" smtClean="0"/>
+              <a:t>oriented</a:t>
             </a:r>
           </a:p>
           <a:p>
@@ -3870,13 +3870,13 @@
   <p:clrMapOvr>
     <a:masterClrMapping/>
   </p:clrMapOvr>
-  <mc:AlternateContent xmlns:mc="http://schemas.openxmlformats.org/markup-compatibility/2006">
-    <mc:Choice xmlns:p14="http://schemas.microsoft.com/office/powerpoint/2010/main" Requires="p14">
+  <mc:AlternateContent xmlns:mc="http://schemas.openxmlformats.org/markup-compatibility/2006" xmlns:p14="http://schemas.microsoft.com/office/powerpoint/2010/main">
+    <mc:Choice Requires="p14">
       <p:transition spd="slow" p14:dur="3400">
         <p14:reveal/>
       </p:transition>
     </mc:Choice>
-    <mc:Fallback>
+    <mc:Fallback xmlns="">
       <p:transition spd="slow">
         <p:fade/>
       </p:transition>
@@ -3988,13 +3988,13 @@
   <p:clrMapOvr>
     <a:masterClrMapping/>
   </p:clrMapOvr>
-  <mc:AlternateContent xmlns:mc="http://schemas.openxmlformats.org/markup-compatibility/2006">
-    <mc:Choice xmlns:p14="http://schemas.microsoft.com/office/powerpoint/2010/main" Requires="p14">
+  <mc:AlternateContent xmlns:mc="http://schemas.openxmlformats.org/markup-compatibility/2006" xmlns:p14="http://schemas.microsoft.com/office/powerpoint/2010/main">
+    <mc:Choice Requires="p14">
       <p:transition spd="slow" p14:dur="3400">
         <p14:reveal/>
       </p:transition>
     </mc:Choice>
-    <mc:Fallback>
+    <mc:Fallback xmlns="">
       <p:transition spd="slow">
         <p:fade/>
       </p:transition>
@@ -4298,13 +4298,13 @@
   <p:clrMapOvr>
     <a:masterClrMapping/>
   </p:clrMapOvr>
-  <mc:AlternateContent xmlns:mc="http://schemas.openxmlformats.org/markup-compatibility/2006">
-    <mc:Choice xmlns:p14="http://schemas.microsoft.com/office/powerpoint/2010/main" Requires="p14">
+  <mc:AlternateContent xmlns:mc="http://schemas.openxmlformats.org/markup-compatibility/2006" xmlns:p14="http://schemas.microsoft.com/office/powerpoint/2010/main">
+    <mc:Choice Requires="p14">
       <p:transition spd="slow" p14:dur="3400">
         <p14:reveal/>
       </p:transition>
     </mc:Choice>
-    <mc:Fallback>
+    <mc:Fallback xmlns="">
       <p:transition spd="slow">
         <p:fade/>
       </p:transition>
@@ -4413,13 +4413,13 @@
   <p:clrMapOvr>
     <a:masterClrMapping/>
   </p:clrMapOvr>
-  <mc:AlternateContent xmlns:mc="http://schemas.openxmlformats.org/markup-compatibility/2006">
-    <mc:Choice xmlns:p14="http://schemas.microsoft.com/office/powerpoint/2010/main" Requires="p14">
+  <mc:AlternateContent xmlns:mc="http://schemas.openxmlformats.org/markup-compatibility/2006" xmlns:p14="http://schemas.microsoft.com/office/powerpoint/2010/main">
+    <mc:Choice Requires="p14">
       <p:transition spd="slow" p14:dur="3400">
         <p14:reveal/>
       </p:transition>
     </mc:Choice>
-    <mc:Fallback>
+    <mc:Fallback xmlns="">
       <p:transition spd="slow">
         <p:fade/>
       </p:transition>
@@ -4537,13 +4537,13 @@
   <p:clrMapOvr>
     <a:masterClrMapping/>
   </p:clrMapOvr>
-  <mc:AlternateContent xmlns:mc="http://schemas.openxmlformats.org/markup-compatibility/2006">
-    <mc:Choice xmlns:p14="http://schemas.microsoft.com/office/powerpoint/2010/main" Requires="p14">
+  <mc:AlternateContent xmlns:mc="http://schemas.openxmlformats.org/markup-compatibility/2006" xmlns:p14="http://schemas.microsoft.com/office/powerpoint/2010/main">
+    <mc:Choice Requires="p14">
       <p:transition spd="slow" p14:dur="3400">
         <p14:reveal/>
       </p:transition>
     </mc:Choice>
-    <mc:Fallback>
+    <mc:Fallback xmlns="">
       <p:transition spd="slow">
         <p:fade/>
       </p:transition>
@@ -4664,13 +4664,13 @@
   <p:clrMapOvr>
     <a:masterClrMapping/>
   </p:clrMapOvr>
-  <mc:AlternateContent xmlns:mc="http://schemas.openxmlformats.org/markup-compatibility/2006">
-    <mc:Choice xmlns:p14="http://schemas.microsoft.com/office/powerpoint/2010/main" Requires="p14">
+  <mc:AlternateContent xmlns:mc="http://schemas.openxmlformats.org/markup-compatibility/2006" xmlns:p14="http://schemas.microsoft.com/office/powerpoint/2010/main">
+    <mc:Choice Requires="p14">
       <p:transition spd="slow" p14:dur="3400">
         <p14:reveal/>
       </p:transition>
     </mc:Choice>
-    <mc:Fallback>
+    <mc:Fallback xmlns="">
       <p:transition spd="slow">
         <p:fade/>
       </p:transition>
@@ -4785,13 +4785,13 @@
   <p:clrMapOvr>
     <a:masterClrMapping/>
   </p:clrMapOvr>
-  <mc:AlternateContent xmlns:mc="http://schemas.openxmlformats.org/markup-compatibility/2006">
-    <mc:Choice xmlns:p14="http://schemas.microsoft.com/office/powerpoint/2010/main" Requires="p14">
+  <mc:AlternateContent xmlns:mc="http://schemas.openxmlformats.org/markup-compatibility/2006" xmlns:p14="http://schemas.microsoft.com/office/powerpoint/2010/main">
+    <mc:Choice Requires="p14">
       <p:transition spd="slow" p14:dur="3400">
         <p14:reveal/>
       </p:transition>
     </mc:Choice>
-    <mc:Fallback>
+    <mc:Fallback xmlns="">
       <p:transition spd="slow">
         <p:fade/>
       </p:transition>
@@ -5076,13 +5076,13 @@
   <p:clrMapOvr>
     <a:masterClrMapping/>
   </p:clrMapOvr>
-  <mc:AlternateContent xmlns:mc="http://schemas.openxmlformats.org/markup-compatibility/2006">
-    <mc:Choice xmlns:p14="http://schemas.microsoft.com/office/powerpoint/2010/main" Requires="p14">
+  <mc:AlternateContent xmlns:mc="http://schemas.openxmlformats.org/markup-compatibility/2006" xmlns:p14="http://schemas.microsoft.com/office/powerpoint/2010/main">
+    <mc:Choice Requires="p14">
       <p:transition spd="slow" p14:dur="3400">
         <p14:reveal/>
       </p:transition>
     </mc:Choice>
-    <mc:Fallback>
+    <mc:Fallback xmlns="">
       <p:transition spd="slow">
         <p:fade/>
       </p:transition>
@@ -5383,13 +5383,13 @@
   <p:clrMapOvr>
     <a:masterClrMapping/>
   </p:clrMapOvr>
-  <mc:AlternateContent xmlns:mc="http://schemas.openxmlformats.org/markup-compatibility/2006">
-    <mc:Choice xmlns:p14="http://schemas.microsoft.com/office/powerpoint/2010/main" Requires="p14">
+  <mc:AlternateContent xmlns:mc="http://schemas.openxmlformats.org/markup-compatibility/2006" xmlns:p14="http://schemas.microsoft.com/office/powerpoint/2010/main">
+    <mc:Choice Requires="p14">
       <p:transition spd="slow" p14:dur="3400">
         <p14:reveal/>
       </p:transition>
     </mc:Choice>
-    <mc:Fallback>
+    <mc:Fallback xmlns="">
       <p:transition spd="slow">
         <p:fade/>
       </p:transition>
@@ -5722,13 +5722,13 @@
   <p:clrMapOvr>
     <a:masterClrMapping/>
   </p:clrMapOvr>
-  <mc:AlternateContent xmlns:mc="http://schemas.openxmlformats.org/markup-compatibility/2006">
-    <mc:Choice xmlns:p14="http://schemas.microsoft.com/office/powerpoint/2010/main" Requires="p14">
+  <mc:AlternateContent xmlns:mc="http://schemas.openxmlformats.org/markup-compatibility/2006" xmlns:p14="http://schemas.microsoft.com/office/powerpoint/2010/main">
+    <mc:Choice Requires="p14">
       <p:transition spd="slow" p14:dur="3400">
         <p14:reveal/>
       </p:transition>
     </mc:Choice>
-    <mc:Fallback>
+    <mc:Fallback xmlns="">
       <p:transition spd="slow">
         <p:fade/>
       </p:transition>
@@ -5859,13 +5859,13 @@
   <p:clrMapOvr>
     <a:masterClrMapping/>
   </p:clrMapOvr>
-  <mc:AlternateContent xmlns:mc="http://schemas.openxmlformats.org/markup-compatibility/2006">
-    <mc:Choice xmlns:p14="http://schemas.microsoft.com/office/powerpoint/2010/main" Requires="p14">
+  <mc:AlternateContent xmlns:mc="http://schemas.openxmlformats.org/markup-compatibility/2006" xmlns:p14="http://schemas.microsoft.com/office/powerpoint/2010/main">
+    <mc:Choice Requires="p14">
       <p:transition spd="slow" p14:dur="3400">
         <p14:reveal/>
       </p:transition>
     </mc:Choice>
-    <mc:Fallback>
+    <mc:Fallback xmlns="">
       <p:transition spd="slow">
         <p:fade/>
       </p:transition>
@@ -6205,13 +6205,13 @@
   <p:clrMapOvr>
     <a:masterClrMapping/>
   </p:clrMapOvr>
-  <mc:AlternateContent xmlns:mc="http://schemas.openxmlformats.org/markup-compatibility/2006">
-    <mc:Choice xmlns:p14="http://schemas.microsoft.com/office/powerpoint/2010/main" Requires="p14">
+  <mc:AlternateContent xmlns:mc="http://schemas.openxmlformats.org/markup-compatibility/2006" xmlns:p14="http://schemas.microsoft.com/office/powerpoint/2010/main">
+    <mc:Choice Requires="p14">
       <p:transition spd="slow" p14:dur="3400">
         <p14:reveal/>
       </p:transition>
     </mc:Choice>
-    <mc:Fallback>
+    <mc:Fallback xmlns="">
       <p:transition spd="slow">
         <p:fade/>
       </p:transition>
@@ -6489,13 +6489,13 @@
   <p:clrMapOvr>
     <a:masterClrMapping/>
   </p:clrMapOvr>
-  <mc:AlternateContent xmlns:mc="http://schemas.openxmlformats.org/markup-compatibility/2006">
-    <mc:Choice xmlns:p14="http://schemas.microsoft.com/office/powerpoint/2010/main" Requires="p14">
+  <mc:AlternateContent xmlns:mc="http://schemas.openxmlformats.org/markup-compatibility/2006" xmlns:p14="http://schemas.microsoft.com/office/powerpoint/2010/main">
+    <mc:Choice Requires="p14">
       <p:transition spd="slow" p14:dur="3400">
         <p14:reveal/>
       </p:transition>
     </mc:Choice>
-    <mc:Fallback>
+    <mc:Fallback xmlns="">
       <p:transition spd="slow">
         <p:fade/>
       </p:transition>
@@ -6797,13 +6797,13 @@
   <p:clrMapOvr>
     <a:masterClrMapping/>
   </p:clrMapOvr>
-  <mc:AlternateContent xmlns:mc="http://schemas.openxmlformats.org/markup-compatibility/2006">
-    <mc:Choice xmlns:p14="http://schemas.microsoft.com/office/powerpoint/2010/main" Requires="p14">
+  <mc:AlternateContent xmlns:mc="http://schemas.openxmlformats.org/markup-compatibility/2006" xmlns:p14="http://schemas.microsoft.com/office/powerpoint/2010/main">
+    <mc:Choice Requires="p14">
       <p:transition spd="slow" p14:dur="3400">
         <p14:reveal/>
       </p:transition>
     </mc:Choice>
-    <mc:Fallback>
+    <mc:Fallback xmlns="">
       <p:transition spd="slow">
         <p:fade/>
       </p:transition>
@@ -7090,13 +7090,13 @@
   <p:clrMapOvr>
     <a:masterClrMapping/>
   </p:clrMapOvr>
-  <mc:AlternateContent xmlns:mc="http://schemas.openxmlformats.org/markup-compatibility/2006">
-    <mc:Choice xmlns:p14="http://schemas.microsoft.com/office/powerpoint/2010/main" Requires="p14">
+  <mc:AlternateContent xmlns:mc="http://schemas.openxmlformats.org/markup-compatibility/2006" xmlns:p14="http://schemas.microsoft.com/office/powerpoint/2010/main">
+    <mc:Choice Requires="p14">
       <p:transition spd="slow" p14:dur="3400">
         <p14:reveal/>
       </p:transition>
     </mc:Choice>
-    <mc:Fallback>
+    <mc:Fallback xmlns="">
       <p:transition spd="slow">
         <p:fade/>
       </p:transition>
@@ -7426,13 +7426,13 @@
   <p:clrMapOvr>
     <a:masterClrMapping/>
   </p:clrMapOvr>
-  <mc:AlternateContent xmlns:mc="http://schemas.openxmlformats.org/markup-compatibility/2006">
-    <mc:Choice xmlns:p14="http://schemas.microsoft.com/office/powerpoint/2010/main" Requires="p14">
+  <mc:AlternateContent xmlns:mc="http://schemas.openxmlformats.org/markup-compatibility/2006" xmlns:p14="http://schemas.microsoft.com/office/powerpoint/2010/main">
+    <mc:Choice Requires="p14">
       <p:transition spd="slow" p14:dur="3400">
         <p14:reveal/>
       </p:transition>
     </mc:Choice>
-    <mc:Fallback>
+    <mc:Fallback xmlns="">
       <p:transition spd="slow">
         <p:fade/>
       </p:transition>
@@ -7990,13 +7990,13 @@
   <p:clrMapOvr>
     <a:masterClrMapping/>
   </p:clrMapOvr>
-  <mc:AlternateContent xmlns:mc="http://schemas.openxmlformats.org/markup-compatibility/2006">
-    <mc:Choice xmlns:p14="http://schemas.microsoft.com/office/powerpoint/2010/main" Requires="p14">
+  <mc:AlternateContent xmlns:mc="http://schemas.openxmlformats.org/markup-compatibility/2006" xmlns:p14="http://schemas.microsoft.com/office/powerpoint/2010/main">
+    <mc:Choice Requires="p14">
       <p:transition spd="slow" p14:dur="3400">
         <p14:reveal/>
       </p:transition>
     </mc:Choice>
-    <mc:Fallback>
+    <mc:Fallback xmlns="">
       <p:transition spd="slow">
         <p:fade/>
       </p:transition>
@@ -8088,7 +8088,15 @@
           <a:p>
             <a:r>
               <a:rPr lang="en-US" sz="2400" dirty="0" smtClean="0"/>
-              <a:t>It is ore efficient and faster than normal Common Lisp compilers</a:t>
+              <a:t>It is </a:t>
+            </a:r>
+            <a:r>
+              <a:rPr lang="en-US" sz="2400" dirty="0" smtClean="0"/>
+              <a:t>more </a:t>
+            </a:r>
+            <a:r>
+              <a:rPr lang="en-US" sz="2400" dirty="0" smtClean="0"/>
+              <a:t>efficient and faster than normal Common Lisp compilers</a:t>
             </a:r>
           </a:p>
           <a:p>
@@ -8109,13 +8117,13 @@
   <p:clrMapOvr>
     <a:masterClrMapping/>
   </p:clrMapOvr>
-  <mc:AlternateContent xmlns:mc="http://schemas.openxmlformats.org/markup-compatibility/2006">
-    <mc:Choice xmlns:p14="http://schemas.microsoft.com/office/powerpoint/2010/main" Requires="p14">
+  <mc:AlternateContent xmlns:mc="http://schemas.openxmlformats.org/markup-compatibility/2006" xmlns:p14="http://schemas.microsoft.com/office/powerpoint/2010/main">
+    <mc:Choice Requires="p14">
       <p:transition spd="slow" p14:dur="3400">
         <p14:reveal/>
       </p:transition>
     </mc:Choice>
-    <mc:Fallback>
+    <mc:Fallback xmlns="">
       <p:transition spd="slow">
         <p:fade/>
       </p:transition>
@@ -8246,8 +8254,8 @@
   <p:clrMapOvr>
     <a:masterClrMapping/>
   </p:clrMapOvr>
-  <mc:AlternateContent xmlns:mc="http://schemas.openxmlformats.org/markup-compatibility/2006">
-    <mc:Choice xmlns:p14="http://schemas.microsoft.com/office/powerpoint/2010/main" Requires="p14">
+  <mc:AlternateContent xmlns:mc="http://schemas.openxmlformats.org/markup-compatibility/2006" xmlns:p14="http://schemas.microsoft.com/office/powerpoint/2010/main">
+    <mc:Choice Requires="p14">
       <p:transition spd="slow" p14:dur="3400">
         <p14:reveal/>
         <p:sndAc>
@@ -8257,12 +8265,12 @@
         </p:sndAc>
       </p:transition>
     </mc:Choice>
-    <mc:Fallback>
+    <mc:Fallback xmlns="">
       <p:transition spd="slow">
         <p:fade/>
         <p:sndAc>
           <p:stSnd>
-            <p:snd r:embed="rId2" name="applause.wav"/>
+            <p:snd r:embed="rId4" name="applause.wav"/>
           </p:stSnd>
         </p:sndAc>
       </p:transition>
@@ -8441,13 +8449,13 @@
   <p:clrMapOvr>
     <a:masterClrMapping/>
   </p:clrMapOvr>
-  <mc:AlternateContent xmlns:mc="http://schemas.openxmlformats.org/markup-compatibility/2006">
-    <mc:Choice xmlns:p14="http://schemas.microsoft.com/office/powerpoint/2010/main" Requires="p14">
+  <mc:AlternateContent xmlns:mc="http://schemas.openxmlformats.org/markup-compatibility/2006" xmlns:p14="http://schemas.microsoft.com/office/powerpoint/2010/main">
+    <mc:Choice Requires="p14">
       <p:transition spd="slow" p14:dur="3400">
         <p14:reveal/>
       </p:transition>
     </mc:Choice>
-    <mc:Fallback>
+    <mc:Fallback xmlns="">
       <p:transition spd="slow">
         <p:fade/>
       </p:transition>
@@ -8579,13 +8587,13 @@
   <p:clrMapOvr>
     <a:masterClrMapping/>
   </p:clrMapOvr>
-  <mc:AlternateContent xmlns:mc="http://schemas.openxmlformats.org/markup-compatibility/2006">
-    <mc:Choice xmlns:p14="http://schemas.microsoft.com/office/powerpoint/2010/main" Requires="p14">
+  <mc:AlternateContent xmlns:mc="http://schemas.openxmlformats.org/markup-compatibility/2006" xmlns:p14="http://schemas.microsoft.com/office/powerpoint/2010/main">
+    <mc:Choice Requires="p14">
       <p:transition spd="slow" p14:dur="3400">
         <p14:reveal/>
       </p:transition>
     </mc:Choice>
-    <mc:Fallback>
+    <mc:Fallback xmlns="">
       <p:transition spd="slow">
         <p:fade/>
       </p:transition>
@@ -8712,13 +8720,13 @@
   <p:clrMapOvr>
     <a:masterClrMapping/>
   </p:clrMapOvr>
-  <mc:AlternateContent xmlns:mc="http://schemas.openxmlformats.org/markup-compatibility/2006">
-    <mc:Choice xmlns:p14="http://schemas.microsoft.com/office/powerpoint/2010/main" Requires="p14">
+  <mc:AlternateContent xmlns:mc="http://schemas.openxmlformats.org/markup-compatibility/2006" xmlns:p14="http://schemas.microsoft.com/office/powerpoint/2010/main">
+    <mc:Choice Requires="p14">
       <p:transition spd="slow" p14:dur="3400">
         <p14:reveal/>
       </p:transition>
     </mc:Choice>
-    <mc:Fallback>
+    <mc:Fallback xmlns="">
       <p:transition spd="slow">
         <p:fade/>
       </p:transition>
@@ -8925,13 +8933,13 @@
   <p:clrMapOvr>
     <a:masterClrMapping/>
   </p:clrMapOvr>
-  <mc:AlternateContent xmlns:mc="http://schemas.openxmlformats.org/markup-compatibility/2006">
-    <mc:Choice xmlns:p14="http://schemas.microsoft.com/office/powerpoint/2010/main" Requires="p14">
+  <mc:AlternateContent xmlns:mc="http://schemas.openxmlformats.org/markup-compatibility/2006" xmlns:p14="http://schemas.microsoft.com/office/powerpoint/2010/main">
+    <mc:Choice Requires="p14">
       <p:transition spd="slow" p14:dur="3400">
         <p14:reveal/>
       </p:transition>
     </mc:Choice>
-    <mc:Fallback>
+    <mc:Fallback xmlns="">
       <p:transition spd="slow">
         <p:fade/>
       </p:transition>
@@ -9081,13 +9089,13 @@
   <p:clrMapOvr>
     <a:masterClrMapping/>
   </p:clrMapOvr>
-  <mc:AlternateContent xmlns:mc="http://schemas.openxmlformats.org/markup-compatibility/2006">
-    <mc:Choice xmlns:p14="http://schemas.microsoft.com/office/powerpoint/2010/main" Requires="p14">
+  <mc:AlternateContent xmlns:mc="http://schemas.openxmlformats.org/markup-compatibility/2006" xmlns:p14="http://schemas.microsoft.com/office/powerpoint/2010/main">
+    <mc:Choice Requires="p14">
       <p:transition spd="slow" p14:dur="3400">
         <p14:reveal/>
       </p:transition>
     </mc:Choice>
-    <mc:Fallback>
+    <mc:Fallback xmlns="">
       <p:transition spd="slow">
         <p:fade/>
       </p:transition>
@@ -9199,8 +9207,8 @@
               <a:t>Every line of code in Lisp is inside of </a:t>
             </a:r>
             <a:r>
-              <a:rPr lang="en-US" dirty="0" err="1" smtClean="0"/>
-              <a:t>parenthsis</a:t>
+              <a:rPr lang="en-US" dirty="0" smtClean="0"/>
+              <a:t>parenthesis</a:t>
             </a:r>
             <a:endParaRPr lang="en-US" dirty="0" smtClean="0"/>
           </a:p>
@@ -9216,13 +9224,13 @@
   <p:clrMapOvr>
     <a:masterClrMapping/>
   </p:clrMapOvr>
-  <mc:AlternateContent xmlns:mc="http://schemas.openxmlformats.org/markup-compatibility/2006">
-    <mc:Choice xmlns:p14="http://schemas.microsoft.com/office/powerpoint/2010/main" Requires="p14">
+  <mc:AlternateContent xmlns:mc="http://schemas.openxmlformats.org/markup-compatibility/2006" xmlns:p14="http://schemas.microsoft.com/office/powerpoint/2010/main">
+    <mc:Choice Requires="p14">
       <p:transition spd="slow" p14:dur="3400">
         <p14:reveal/>
       </p:transition>
     </mc:Choice>
-    <mc:Fallback>
+    <mc:Fallback xmlns="">
       <p:transition spd="slow">
         <p:fade/>
       </p:transition>
@@ -9347,13 +9355,13 @@
   <p:clrMapOvr>
     <a:masterClrMapping/>
   </p:clrMapOvr>
-  <mc:AlternateContent xmlns:mc="http://schemas.openxmlformats.org/markup-compatibility/2006">
-    <mc:Choice xmlns:p14="http://schemas.microsoft.com/office/powerpoint/2010/main" Requires="p14">
+  <mc:AlternateContent xmlns:mc="http://schemas.openxmlformats.org/markup-compatibility/2006" xmlns:p14="http://schemas.microsoft.com/office/powerpoint/2010/main">
+    <mc:Choice Requires="p14">
       <p:transition spd="slow" p14:dur="3400">
         <p14:reveal/>
       </p:transition>
     </mc:Choice>
-    <mc:Fallback>
+    <mc:Fallback xmlns="">
       <p:transition spd="slow">
         <p:fade/>
       </p:transition>
